--- a/output.pptx
+++ b/output.pptx
@@ -3225,7 +3225,7 @@
               </a:spcAft>
             </a:pPr>
             <a:r>
-              <a:rPr sz="1000" b="1">
+              <a:rPr sz="1050" b="1">
                 <a:solidFill>
                   <a:srgbClr val="FFFFFF"/>
                 </a:solidFill>
@@ -3348,7 +3348,7 @@
               </a:spcAft>
             </a:pPr>
             <a:r>
-              <a:rPr sz="1000" b="0">
+              <a:rPr sz="1050" b="0">
                 <a:solidFill>
                   <a:srgbClr val="FFFFFF"/>
                 </a:solidFill>
@@ -3388,7 +3388,7 @@
               </a:spcAft>
             </a:pPr>
             <a:r>
-              <a:rPr sz="1300" b="1">
+              <a:rPr sz="1350" b="1">
                 <a:solidFill>
                   <a:srgbClr val="FFFFFF"/>
                 </a:solidFill>
@@ -5818,272 +5818,132 @@
               </a:spcAft>
             </a:pPr>
             <a:r>
-              <a:rPr sz="800" b="0">
+              <a:rPr sz="825" b="1">
                 <a:solidFill>
                   <a:srgbClr val="666666"/>
                 </a:solidFill>
                 <a:latin typeface="Arial"/>
               </a:rPr>
-              <a:t>Legend: Mood:  Good  Complicated  Blocked | Risk:  Low  Medium  High</a:t>
-            </a:r>
-          </a:p>
-        </p:txBody>
-      </p:sp>
-      <p:sp>
-        <p:nvSpPr>
-          <p:cNvPr id="11" name="Oval 10"/>
-          <p:cNvSpPr/>
-          <p:nvPr/>
-        </p:nvSpPr>
-        <p:spPr>
-          <a:xfrm>
-            <a:off x="933450" y="4505325"/>
-            <a:ext cx="76200" cy="76200"/>
-          </a:xfrm>
-          <a:prstGeom prst="ellipse">
-            <a:avLst/>
-          </a:prstGeom>
-          <a:solidFill>
-            <a:srgbClr val="22C55E"/>
-          </a:solidFill>
-          <a:ln>
-            <a:noFill/>
-          </a:ln>
-        </p:spPr>
-        <p:style>
-          <a:lnRef idx="1">
-            <a:schemeClr val="accent1"/>
-          </a:lnRef>
-          <a:fillRef idx="3">
-            <a:schemeClr val="accent1"/>
-          </a:fillRef>
-          <a:effectRef idx="2">
-            <a:schemeClr val="accent1"/>
-          </a:effectRef>
-          <a:fontRef idx="minor">
-            <a:schemeClr val="lt1"/>
-          </a:fontRef>
-        </p:style>
-        <p:txBody>
-          <a:bodyPr rtlCol="0" anchor="ctr"/>
-          <a:lstStyle/>
-          <a:p>
-            <a:pPr algn="ctr"/>
-          </a:p>
-        </p:txBody>
-      </p:sp>
-      <p:sp>
-        <p:nvSpPr>
-          <p:cNvPr id="12" name="Oval 11"/>
-          <p:cNvSpPr/>
-          <p:nvPr/>
-        </p:nvSpPr>
-        <p:spPr>
-          <a:xfrm>
-            <a:off x="1600200" y="4505325"/>
-            <a:ext cx="76200" cy="76200"/>
-          </a:xfrm>
-          <a:prstGeom prst="ellipse">
-            <a:avLst/>
-          </a:prstGeom>
-          <a:solidFill>
-            <a:srgbClr val="F59E0B"/>
-          </a:solidFill>
-          <a:ln>
-            <a:noFill/>
-          </a:ln>
-        </p:spPr>
-        <p:style>
-          <a:lnRef idx="1">
-            <a:schemeClr val="accent1"/>
-          </a:lnRef>
-          <a:fillRef idx="3">
-            <a:schemeClr val="accent1"/>
-          </a:fillRef>
-          <a:effectRef idx="2">
-            <a:schemeClr val="accent1"/>
-          </a:effectRef>
-          <a:fontRef idx="minor">
-            <a:schemeClr val="lt1"/>
-          </a:fontRef>
-        </p:style>
-        <p:txBody>
-          <a:bodyPr rtlCol="0" anchor="ctr"/>
-          <a:lstStyle/>
-          <a:p>
-            <a:pPr algn="ctr"/>
-          </a:p>
-        </p:txBody>
-      </p:sp>
-      <p:sp>
-        <p:nvSpPr>
-          <p:cNvPr id="13" name="Oval 12"/>
-          <p:cNvSpPr/>
-          <p:nvPr/>
-        </p:nvSpPr>
-        <p:spPr>
-          <a:xfrm>
-            <a:off x="2476500" y="4505325"/>
-            <a:ext cx="76200" cy="76200"/>
-          </a:xfrm>
-          <a:prstGeom prst="ellipse">
-            <a:avLst/>
-          </a:prstGeom>
-          <a:solidFill>
-            <a:srgbClr val="EF4444"/>
-          </a:solidFill>
-          <a:ln>
-            <a:noFill/>
-          </a:ln>
-        </p:spPr>
-        <p:style>
-          <a:lnRef idx="1">
-            <a:schemeClr val="accent1"/>
-          </a:lnRef>
-          <a:fillRef idx="3">
-            <a:schemeClr val="accent1"/>
-          </a:fillRef>
-          <a:effectRef idx="2">
-            <a:schemeClr val="accent1"/>
-          </a:effectRef>
-          <a:fontRef idx="minor">
-            <a:schemeClr val="lt1"/>
-          </a:fontRef>
-        </p:style>
-        <p:txBody>
-          <a:bodyPr rtlCol="0" anchor="ctr"/>
-          <a:lstStyle/>
-          <a:p>
-            <a:pPr algn="ctr"/>
-          </a:p>
-        </p:txBody>
-      </p:sp>
-      <p:sp>
-        <p:nvSpPr>
-          <p:cNvPr id="14" name="Oval 13"/>
-          <p:cNvSpPr/>
-          <p:nvPr/>
-        </p:nvSpPr>
-        <p:spPr>
-          <a:xfrm>
-            <a:off x="3810000" y="4505325"/>
-            <a:ext cx="76200" cy="76200"/>
-          </a:xfrm>
-          <a:prstGeom prst="ellipse">
-            <a:avLst/>
-          </a:prstGeom>
-          <a:solidFill>
-            <a:srgbClr val="22C55E"/>
-          </a:solidFill>
-          <a:ln>
-            <a:noFill/>
-          </a:ln>
-        </p:spPr>
-        <p:style>
-          <a:lnRef idx="1">
-            <a:schemeClr val="accent1"/>
-          </a:lnRef>
-          <a:fillRef idx="3">
-            <a:schemeClr val="accent1"/>
-          </a:fillRef>
-          <a:effectRef idx="2">
-            <a:schemeClr val="accent1"/>
-          </a:effectRef>
-          <a:fontRef idx="minor">
-            <a:schemeClr val="lt1"/>
-          </a:fontRef>
-        </p:style>
-        <p:txBody>
-          <a:bodyPr rtlCol="0" anchor="ctr"/>
-          <a:lstStyle/>
-          <a:p>
-            <a:pPr algn="ctr"/>
-          </a:p>
-        </p:txBody>
-      </p:sp>
-      <p:sp>
-        <p:nvSpPr>
-          <p:cNvPr id="15" name="Oval 14"/>
-          <p:cNvSpPr/>
-          <p:nvPr/>
-        </p:nvSpPr>
-        <p:spPr>
-          <a:xfrm>
-            <a:off x="4333875" y="4505325"/>
-            <a:ext cx="76200" cy="76200"/>
-          </a:xfrm>
-          <a:prstGeom prst="ellipse">
-            <a:avLst/>
-          </a:prstGeom>
-          <a:solidFill>
-            <a:srgbClr val="F59E0B"/>
-          </a:solidFill>
-          <a:ln>
-            <a:noFill/>
-          </a:ln>
-        </p:spPr>
-        <p:style>
-          <a:lnRef idx="1">
-            <a:schemeClr val="accent1"/>
-          </a:lnRef>
-          <a:fillRef idx="3">
-            <a:schemeClr val="accent1"/>
-          </a:fillRef>
-          <a:effectRef idx="2">
-            <a:schemeClr val="accent1"/>
-          </a:effectRef>
-          <a:fontRef idx="minor">
-            <a:schemeClr val="lt1"/>
-          </a:fontRef>
-        </p:style>
-        <p:txBody>
-          <a:bodyPr rtlCol="0" anchor="ctr"/>
-          <a:lstStyle/>
-          <a:p>
-            <a:pPr algn="ctr"/>
-          </a:p>
-        </p:txBody>
-      </p:sp>
-      <p:sp>
-        <p:nvSpPr>
-          <p:cNvPr id="16" name="Oval 15"/>
-          <p:cNvSpPr/>
-          <p:nvPr/>
-        </p:nvSpPr>
-        <p:spPr>
-          <a:xfrm>
-            <a:off x="5095875" y="4505325"/>
-            <a:ext cx="76200" cy="76200"/>
-          </a:xfrm>
-          <a:prstGeom prst="ellipse">
-            <a:avLst/>
-          </a:prstGeom>
-          <a:solidFill>
-            <a:srgbClr val="EF4444"/>
-          </a:solidFill>
-          <a:ln>
-            <a:noFill/>
-          </a:ln>
-        </p:spPr>
-        <p:style>
-          <a:lnRef idx="1">
-            <a:schemeClr val="accent1"/>
-          </a:lnRef>
-          <a:fillRef idx="3">
-            <a:schemeClr val="accent1"/>
-          </a:fillRef>
-          <a:effectRef idx="2">
-            <a:schemeClr val="accent1"/>
-          </a:effectRef>
-          <a:fontRef idx="minor">
-            <a:schemeClr val="lt1"/>
-          </a:fontRef>
-        </p:style>
-        <p:txBody>
-          <a:bodyPr rtlCol="0" anchor="ctr"/>
-          <a:lstStyle/>
-          <a:p>
-            <a:pPr algn="ctr"/>
+              <a:t>Legend:</a:t>
+            </a:r>
+            <a:r>
+              <a:rPr sz="825" b="0">
+                <a:solidFill>
+                  <a:srgbClr val="666666"/>
+                </a:solidFill>
+                <a:latin typeface="Arial"/>
+              </a:rPr>
+              <a:t> Mood: </a:t>
+            </a:r>
+            <a:r>
+              <a:rPr sz="825" b="0">
+                <a:solidFill>
+                  <a:srgbClr val="22C55E"/>
+                </a:solidFill>
+                <a:latin typeface="Arial"/>
+              </a:rPr>
+              <a:t>●</a:t>
+            </a:r>
+            <a:r>
+              <a:rPr sz="825" b="0">
+                <a:solidFill>
+                  <a:srgbClr val="666666"/>
+                </a:solidFill>
+                <a:latin typeface="Arial"/>
+              </a:rPr>
+              <a:t> Good </a:t>
+            </a:r>
+            <a:r>
+              <a:rPr sz="825" b="0">
+                <a:solidFill>
+                  <a:srgbClr val="F59E0B"/>
+                </a:solidFill>
+                <a:latin typeface="Arial"/>
+              </a:rPr>
+              <a:t>●</a:t>
+            </a:r>
+            <a:r>
+              <a:rPr sz="825" b="0">
+                <a:solidFill>
+                  <a:srgbClr val="666666"/>
+                </a:solidFill>
+                <a:latin typeface="Arial"/>
+              </a:rPr>
+              <a:t> Complicated </a:t>
+            </a:r>
+            <a:r>
+              <a:rPr sz="825" b="0">
+                <a:solidFill>
+                  <a:srgbClr val="EF4444"/>
+                </a:solidFill>
+                <a:latin typeface="Arial"/>
+              </a:rPr>
+              <a:t>●</a:t>
+            </a:r>
+            <a:r>
+              <a:rPr sz="825" b="0">
+                <a:solidFill>
+                  <a:srgbClr val="666666"/>
+                </a:solidFill>
+                <a:latin typeface="Arial"/>
+              </a:rPr>
+              <a:t> Blocked | Risk: </a:t>
+            </a:r>
+            <a:r>
+              <a:rPr sz="825" b="0">
+                <a:solidFill>
+                  <a:srgbClr val="22C55E"/>
+                </a:solidFill>
+                <a:latin typeface="Arial"/>
+              </a:rPr>
+              <a:t>●</a:t>
+            </a:r>
+            <a:r>
+              <a:rPr sz="825" b="0">
+                <a:solidFill>
+                  <a:srgbClr val="666666"/>
+                </a:solidFill>
+                <a:latin typeface="Arial"/>
+              </a:rPr>
+              <a:t> Low </a:t>
+            </a:r>
+            <a:r>
+              <a:rPr sz="825" b="0">
+                <a:solidFill>
+                  <a:srgbClr val="F59E0B"/>
+                </a:solidFill>
+                <a:latin typeface="Arial"/>
+              </a:rPr>
+              <a:t>●</a:t>
+            </a:r>
+            <a:r>
+              <a:rPr sz="825" b="0">
+                <a:solidFill>
+                  <a:srgbClr val="666666"/>
+                </a:solidFill>
+                <a:latin typeface="Arial"/>
+              </a:rPr>
+              <a:t> Medium </a:t>
+            </a:r>
+            <a:r>
+              <a:rPr sz="825" b="0">
+                <a:solidFill>
+                  <a:srgbClr val="EF4444"/>
+                </a:solidFill>
+                <a:latin typeface="Arial"/>
+              </a:rPr>
+              <a:t>●</a:t>
+            </a:r>
+            <a:r>
+              <a:rPr sz="825" b="0">
+                <a:solidFill>
+                  <a:srgbClr val="666666"/>
+                </a:solidFill>
+                <a:latin typeface="Arial"/>
+              </a:rPr>
+              <a:t> High
+</a:t>
+            </a:r>
           </a:p>
         </p:txBody>
       </p:sp>
@@ -6220,7 +6080,7 @@
               </a:spcAft>
             </a:pPr>
             <a:r>
-              <a:rPr sz="1000" b="1">
+              <a:rPr sz="1050" b="1">
                 <a:solidFill>
                   <a:srgbClr val="FFFFFF"/>
                 </a:solidFill>
@@ -6343,7 +6203,7 @@
               </a:spcAft>
             </a:pPr>
             <a:r>
-              <a:rPr sz="1000" b="0">
+              <a:rPr sz="1050" b="0">
                 <a:solidFill>
                   <a:srgbClr val="FFFFFF"/>
                 </a:solidFill>
@@ -6383,7 +6243,7 @@
               </a:spcAft>
             </a:pPr>
             <a:r>
-              <a:rPr sz="1300" b="1">
+              <a:rPr sz="1350" b="1">
                 <a:solidFill>
                   <a:srgbClr val="FFFFFF"/>
                 </a:solidFill>
@@ -6466,7 +6326,7 @@
               </a:spcAft>
             </a:pPr>
             <a:r>
-              <a:rPr sz="900" b="1">
+              <a:rPr sz="975" b="1">
                 <a:solidFill>
                   <a:srgbClr val="006272"/>
                 </a:solidFill>
@@ -6580,7 +6440,7 @@
         <p:spPr>
           <a:xfrm>
             <a:off x="400050" y="1133475"/>
-            <a:ext cx="8343900" cy="152400"/>
+            <a:ext cx="8343900" cy="190500"/>
           </a:xfrm>
           <a:prstGeom prst="roundRect">
             <a:avLst/>
@@ -6623,7 +6483,7 @@
         <p:spPr>
           <a:xfrm>
             <a:off x="400050" y="1133475"/>
-            <a:ext cx="4505706" cy="152400"/>
+            <a:ext cx="4505706" cy="190500"/>
           </a:xfrm>
           <a:prstGeom prst="roundRect">
             <a:avLst/>
@@ -6666,7 +6526,7 @@
         <p:spPr>
           <a:xfrm>
             <a:off x="8058150" y="1133475"/>
-            <a:ext cx="685800" cy="152400"/>
+            <a:ext cx="685800" cy="190500"/>
           </a:xfrm>
           <a:prstGeom prst="rect">
             <a:avLst/>
@@ -6705,7 +6565,7 @@
         </p:nvSpPr>
         <p:spPr>
           <a:xfrm>
-            <a:off x="400050" y="1362075"/>
+            <a:off x="400050" y="1400175"/>
             <a:ext cx="8343900" cy="133350"/>
           </a:xfrm>
           <a:prstGeom prst="rect">
@@ -6745,7 +6605,7 @@
         </p:nvSpPr>
         <p:spPr>
           <a:xfrm>
-            <a:off x="666750" y="1562100"/>
+            <a:off x="666750" y="1600200"/>
             <a:ext cx="95250" cy="123825"/>
           </a:xfrm>
           <a:prstGeom prst="rect">
@@ -6785,7 +6645,7 @@
         </p:nvSpPr>
         <p:spPr>
           <a:xfrm>
-            <a:off x="781050" y="1562100"/>
+            <a:off x="781050" y="1600200"/>
             <a:ext cx="8001000" cy="123825"/>
           </a:xfrm>
           <a:prstGeom prst="rect">
@@ -6825,7 +6685,7 @@
         </p:nvSpPr>
         <p:spPr>
           <a:xfrm>
-            <a:off x="666750" y="1685925"/>
+            <a:off x="666750" y="1724025"/>
             <a:ext cx="95250" cy="123825"/>
           </a:xfrm>
           <a:prstGeom prst="rect">
@@ -6865,7 +6725,7 @@
         </p:nvSpPr>
         <p:spPr>
           <a:xfrm>
-            <a:off x="781050" y="1685925"/>
+            <a:off x="781050" y="1724025"/>
             <a:ext cx="8001000" cy="123825"/>
           </a:xfrm>
           <a:prstGeom prst="rect">
@@ -6905,7 +6765,7 @@
         </p:nvSpPr>
         <p:spPr>
           <a:xfrm>
-            <a:off x="666750" y="1809750"/>
+            <a:off x="666750" y="1847850"/>
             <a:ext cx="95250" cy="123825"/>
           </a:xfrm>
           <a:prstGeom prst="rect">
@@ -6945,7 +6805,7 @@
         </p:nvSpPr>
         <p:spPr>
           <a:xfrm>
-            <a:off x="781050" y="1809750"/>
+            <a:off x="781050" y="1847850"/>
             <a:ext cx="8001000" cy="123825"/>
           </a:xfrm>
           <a:prstGeom prst="rect">
@@ -6985,7 +6845,7 @@
         </p:nvSpPr>
         <p:spPr>
           <a:xfrm>
-            <a:off x="400050" y="1933575"/>
+            <a:off x="400050" y="1971675"/>
             <a:ext cx="8343900" cy="133350"/>
           </a:xfrm>
           <a:prstGeom prst="rect">
@@ -7099,7 +6959,7 @@
               </a:spcAft>
             </a:pPr>
             <a:r>
-              <a:rPr sz="900" b="1">
+              <a:rPr sz="975" b="1">
                 <a:solidFill>
                   <a:srgbClr val="006272"/>
                 </a:solidFill>
@@ -8503,7 +8363,7 @@
               </a:spcAft>
             </a:pPr>
             <a:r>
-              <a:rPr sz="1000" b="1">
+              <a:rPr sz="1050" b="1">
                 <a:solidFill>
                   <a:srgbClr val="FFFFFF"/>
                 </a:solidFill>
@@ -8626,7 +8486,7 @@
               </a:spcAft>
             </a:pPr>
             <a:r>
-              <a:rPr sz="1000" b="0">
+              <a:rPr sz="1050" b="0">
                 <a:solidFill>
                   <a:srgbClr val="FFFFFF"/>
                 </a:solidFill>
@@ -8666,7 +8526,7 @@
               </a:spcAft>
             </a:pPr>
             <a:r>
-              <a:rPr sz="1300" b="1">
+              <a:rPr sz="1350" b="1">
                 <a:solidFill>
                   <a:srgbClr val="FFFFFF"/>
                 </a:solidFill>
@@ -8749,7 +8609,7 @@
               </a:spcAft>
             </a:pPr>
             <a:r>
-              <a:rPr sz="900" b="1">
+              <a:rPr sz="975" b="1">
                 <a:solidFill>
                   <a:srgbClr val="006272"/>
                 </a:solidFill>
@@ -8957,7 +8817,7 @@
               </a:spcAft>
             </a:pPr>
             <a:r>
-              <a:rPr sz="900" b="1">
+              <a:rPr sz="975" b="1">
                 <a:solidFill>
                   <a:srgbClr val="006272"/>
                 </a:solidFill>
@@ -9405,7 +9265,7 @@
               </a:spcAft>
             </a:pPr>
             <a:r>
-              <a:rPr sz="900" b="1">
+              <a:rPr sz="975" b="1">
                 <a:solidFill>
                   <a:srgbClr val="006272"/>
                 </a:solidFill>
@@ -9773,7 +9633,7 @@
               </a:spcAft>
             </a:pPr>
             <a:r>
-              <a:rPr sz="900" b="1">
+              <a:rPr sz="975" b="1">
                 <a:solidFill>
                   <a:srgbClr val="006272"/>
                 </a:solidFill>
@@ -10141,7 +10001,7 @@
               </a:spcAft>
             </a:pPr>
             <a:r>
-              <a:rPr sz="900" b="1">
+              <a:rPr sz="975" b="1">
                 <a:solidFill>
                   <a:srgbClr val="006272"/>
                 </a:solidFill>
@@ -10469,7 +10329,7 @@
               </a:spcAft>
             </a:pPr>
             <a:r>
-              <a:rPr sz="900" b="1">
+              <a:rPr sz="975" b="1">
                 <a:solidFill>
                   <a:srgbClr val="006272"/>
                 </a:solidFill>
@@ -10873,7 +10733,7 @@
               </a:spcAft>
             </a:pPr>
             <a:r>
-              <a:rPr sz="900" b="1">
+              <a:rPr sz="975" b="1">
                 <a:solidFill>
                   <a:srgbClr val="006272"/>
                 </a:solidFill>
@@ -11121,7 +10981,7 @@
               </a:spcAft>
             </a:pPr>
             <a:r>
-              <a:rPr sz="900" b="1">
+              <a:rPr sz="975" b="1">
                 <a:solidFill>
                   <a:srgbClr val="006272"/>
                 </a:solidFill>
@@ -11590,7 +11450,7 @@
               </a:spcAft>
             </a:pPr>
             <a:r>
-              <a:rPr sz="1000" b="1">
+              <a:rPr sz="1050" b="1">
                 <a:solidFill>
                   <a:srgbClr val="FFFFFF"/>
                 </a:solidFill>
@@ -11713,7 +11573,7 @@
               </a:spcAft>
             </a:pPr>
             <a:r>
-              <a:rPr sz="1000" b="0">
+              <a:rPr sz="1050" b="0">
                 <a:solidFill>
                   <a:srgbClr val="FFFFFF"/>
                 </a:solidFill>
@@ -11753,7 +11613,7 @@
               </a:spcAft>
             </a:pPr>
             <a:r>
-              <a:rPr sz="1300" b="1">
+              <a:rPr sz="1350" b="1">
                 <a:solidFill>
                   <a:srgbClr val="FFFFFF"/>
                 </a:solidFill>
@@ -11836,7 +11696,7 @@
               </a:spcAft>
             </a:pPr>
             <a:r>
-              <a:rPr sz="900" b="1">
+              <a:rPr sz="975" b="1">
                 <a:solidFill>
                   <a:srgbClr val="006272"/>
                 </a:solidFill>
@@ -12717,7 +12577,7 @@
               </a:spcAft>
             </a:pPr>
             <a:r>
-              <a:rPr sz="900" b="1">
+              <a:rPr sz="975" b="1">
                 <a:solidFill>
                   <a:srgbClr val="006272"/>
                 </a:solidFill>
@@ -13213,7 +13073,7 @@
               </a:spcAft>
             </a:pPr>
             <a:r>
-              <a:rPr sz="1000" b="1">
+              <a:rPr sz="1050" b="1">
                 <a:solidFill>
                   <a:srgbClr val="FFFFFF"/>
                 </a:solidFill>
@@ -13336,7 +13196,7 @@
               </a:spcAft>
             </a:pPr>
             <a:r>
-              <a:rPr sz="1000" b="0">
+              <a:rPr sz="1050" b="0">
                 <a:solidFill>
                   <a:srgbClr val="FFFFFF"/>
                 </a:solidFill>
@@ -13376,7 +13236,7 @@
               </a:spcAft>
             </a:pPr>
             <a:r>
-              <a:rPr sz="1300" b="1">
+              <a:rPr sz="1350" b="1">
                 <a:solidFill>
                   <a:srgbClr val="FFFFFF"/>
                 </a:solidFill>
@@ -13459,7 +13319,7 @@
               </a:spcAft>
             </a:pPr>
             <a:r>
-              <a:rPr sz="900" b="1">
+              <a:rPr sz="975" b="1">
                 <a:solidFill>
                   <a:srgbClr val="006272"/>
                 </a:solidFill>
@@ -13573,7 +13433,7 @@
         <p:spPr>
           <a:xfrm>
             <a:off x="400050" y="1133475"/>
-            <a:ext cx="8343900" cy="152400"/>
+            <a:ext cx="8343900" cy="190500"/>
           </a:xfrm>
           <a:prstGeom prst="roundRect">
             <a:avLst/>
@@ -13616,7 +13476,7 @@
         <p:spPr>
           <a:xfrm>
             <a:off x="8058150" y="1133475"/>
-            <a:ext cx="685800" cy="152400"/>
+            <a:ext cx="685800" cy="190500"/>
           </a:xfrm>
           <a:prstGeom prst="rect">
             <a:avLst/>
@@ -13655,7 +13515,7 @@
         </p:nvSpPr>
         <p:spPr>
           <a:xfrm>
-            <a:off x="400050" y="1362075"/>
+            <a:off x="400050" y="1400175"/>
             <a:ext cx="8343900" cy="133350"/>
           </a:xfrm>
           <a:prstGeom prst="rect">
@@ -13695,7 +13555,7 @@
         </p:nvSpPr>
         <p:spPr>
           <a:xfrm>
-            <a:off x="666750" y="1562100"/>
+            <a:off x="666750" y="1600200"/>
             <a:ext cx="95250" cy="123825"/>
           </a:xfrm>
           <a:prstGeom prst="rect">
@@ -13735,7 +13595,7 @@
         </p:nvSpPr>
         <p:spPr>
           <a:xfrm>
-            <a:off x="781050" y="1562100"/>
+            <a:off x="781050" y="1600200"/>
             <a:ext cx="8001000" cy="123825"/>
           </a:xfrm>
           <a:prstGeom prst="rect">
@@ -13775,7 +13635,7 @@
         </p:nvSpPr>
         <p:spPr>
           <a:xfrm>
-            <a:off x="666750" y="1685925"/>
+            <a:off x="666750" y="1724025"/>
             <a:ext cx="95250" cy="123825"/>
           </a:xfrm>
           <a:prstGeom prst="rect">
@@ -13815,7 +13675,7 @@
         </p:nvSpPr>
         <p:spPr>
           <a:xfrm>
-            <a:off x="781050" y="1685925"/>
+            <a:off x="781050" y="1724025"/>
             <a:ext cx="8001000" cy="123825"/>
           </a:xfrm>
           <a:prstGeom prst="rect">
@@ -13855,7 +13715,7 @@
         </p:nvSpPr>
         <p:spPr>
           <a:xfrm>
-            <a:off x="666750" y="1809750"/>
+            <a:off x="666750" y="1847850"/>
             <a:ext cx="95250" cy="123825"/>
           </a:xfrm>
           <a:prstGeom prst="rect">
@@ -13895,7 +13755,7 @@
         </p:nvSpPr>
         <p:spPr>
           <a:xfrm>
-            <a:off x="781050" y="1809750"/>
+            <a:off x="781050" y="1847850"/>
             <a:ext cx="8001000" cy="123825"/>
           </a:xfrm>
           <a:prstGeom prst="rect">
@@ -13935,7 +13795,7 @@
         </p:nvSpPr>
         <p:spPr>
           <a:xfrm>
-            <a:off x="400050" y="1933575"/>
+            <a:off x="400050" y="1971675"/>
             <a:ext cx="8343900" cy="133350"/>
           </a:xfrm>
           <a:prstGeom prst="rect">
@@ -14049,7 +13909,7 @@
               </a:spcAft>
             </a:pPr>
             <a:r>
-              <a:rPr sz="900" b="1">
+              <a:rPr sz="975" b="1">
                 <a:solidFill>
                   <a:srgbClr val="006272"/>
                 </a:solidFill>
@@ -15658,7 +15518,7 @@
               </a:spcAft>
             </a:pPr>
             <a:r>
-              <a:rPr sz="1000" b="1">
+              <a:rPr sz="1050" b="1">
                 <a:solidFill>
                   <a:srgbClr val="FFFFFF"/>
                 </a:solidFill>
@@ -15781,7 +15641,7 @@
               </a:spcAft>
             </a:pPr>
             <a:r>
-              <a:rPr sz="1000" b="0">
+              <a:rPr sz="1050" b="0">
                 <a:solidFill>
                   <a:srgbClr val="FFFFFF"/>
                 </a:solidFill>
@@ -15821,7 +15681,7 @@
               </a:spcAft>
             </a:pPr>
             <a:r>
-              <a:rPr sz="1300" b="1">
+              <a:rPr sz="1350" b="1">
                 <a:solidFill>
                   <a:srgbClr val="FFFFFF"/>
                 </a:solidFill>
@@ -15904,7 +15764,7 @@
               </a:spcAft>
             </a:pPr>
             <a:r>
-              <a:rPr sz="900" b="1">
+              <a:rPr sz="975" b="1">
                 <a:solidFill>
                   <a:srgbClr val="006272"/>
                 </a:solidFill>
@@ -16112,7 +15972,7 @@
               </a:spcAft>
             </a:pPr>
             <a:r>
-              <a:rPr sz="900" b="1">
+              <a:rPr sz="975" b="1">
                 <a:solidFill>
                   <a:srgbClr val="006272"/>
                 </a:solidFill>
@@ -16560,7 +16420,7 @@
               </a:spcAft>
             </a:pPr>
             <a:r>
-              <a:rPr sz="900" b="1">
+              <a:rPr sz="975" b="1">
                 <a:solidFill>
                   <a:srgbClr val="006272"/>
                 </a:solidFill>
@@ -16928,7 +16788,7 @@
               </a:spcAft>
             </a:pPr>
             <a:r>
-              <a:rPr sz="900" b="1">
+              <a:rPr sz="975" b="1">
                 <a:solidFill>
                   <a:srgbClr val="006272"/>
                 </a:solidFill>
@@ -17296,7 +17156,7 @@
               </a:spcAft>
             </a:pPr>
             <a:r>
-              <a:rPr sz="900" b="1">
+              <a:rPr sz="975" b="1">
                 <a:solidFill>
                   <a:srgbClr val="006272"/>
                 </a:solidFill>
@@ -17624,7 +17484,7 @@
               </a:spcAft>
             </a:pPr>
             <a:r>
-              <a:rPr sz="900" b="1">
+              <a:rPr sz="975" b="1">
                 <a:solidFill>
                   <a:srgbClr val="006272"/>
                 </a:solidFill>
@@ -18010,7 +17870,7 @@
               </a:spcAft>
             </a:pPr>
             <a:r>
-              <a:rPr sz="900" b="1">
+              <a:rPr sz="975" b="1">
                 <a:solidFill>
                   <a:srgbClr val="006272"/>
                 </a:solidFill>
@@ -18258,7 +18118,7 @@
               </a:spcAft>
             </a:pPr>
             <a:r>
-              <a:rPr sz="900" b="1">
+              <a:rPr sz="975" b="1">
                 <a:solidFill>
                   <a:srgbClr val="006272"/>
                 </a:solidFill>
@@ -18727,7 +18587,7 @@
               </a:spcAft>
             </a:pPr>
             <a:r>
-              <a:rPr sz="1000" b="1">
+              <a:rPr sz="1050" b="1">
                 <a:solidFill>
                   <a:srgbClr val="FFFFFF"/>
                 </a:solidFill>
@@ -18850,7 +18710,7 @@
               </a:spcAft>
             </a:pPr>
             <a:r>
-              <a:rPr sz="1000" b="0">
+              <a:rPr sz="1050" b="0">
                 <a:solidFill>
                   <a:srgbClr val="FFFFFF"/>
                 </a:solidFill>
@@ -18890,7 +18750,7 @@
               </a:spcAft>
             </a:pPr>
             <a:r>
-              <a:rPr sz="1300" b="1">
+              <a:rPr sz="1350" b="1">
                 <a:solidFill>
                   <a:srgbClr val="FFFFFF"/>
                 </a:solidFill>
@@ -18973,7 +18833,7 @@
               </a:spcAft>
             </a:pPr>
             <a:r>
-              <a:rPr sz="900" b="1">
+              <a:rPr sz="975" b="1">
                 <a:solidFill>
                   <a:srgbClr val="006272"/>
                 </a:solidFill>
@@ -19854,7 +19714,7 @@
               </a:spcAft>
             </a:pPr>
             <a:r>
-              <a:rPr sz="900" b="1">
+              <a:rPr sz="975" b="1">
                 <a:solidFill>
                   <a:srgbClr val="006272"/>
                 </a:solidFill>
@@ -20261,7 +20121,7 @@
               </a:spcAft>
             </a:pPr>
             <a:r>
-              <a:rPr sz="1000" b="1">
+              <a:rPr sz="1050" b="1">
                 <a:solidFill>
                   <a:srgbClr val="FFFFFF"/>
                 </a:solidFill>
@@ -20384,7 +20244,7 @@
               </a:spcAft>
             </a:pPr>
             <a:r>
-              <a:rPr sz="1000" b="0">
+              <a:rPr sz="1050" b="0">
                 <a:solidFill>
                   <a:srgbClr val="FFFFFF"/>
                 </a:solidFill>
@@ -20424,7 +20284,7 @@
               </a:spcAft>
             </a:pPr>
             <a:r>
-              <a:rPr sz="1300" b="1">
+              <a:rPr sz="1350" b="1">
                 <a:solidFill>
                   <a:srgbClr val="FFFFFF"/>
                 </a:solidFill>
@@ -20507,7 +20367,7 @@
               </a:spcAft>
             </a:pPr>
             <a:r>
-              <a:rPr sz="900" b="1">
+              <a:rPr sz="975" b="1">
                 <a:solidFill>
                   <a:srgbClr val="006272"/>
                 </a:solidFill>
@@ -20621,7 +20481,7 @@
         <p:spPr>
           <a:xfrm>
             <a:off x="400050" y="1133475"/>
-            <a:ext cx="8343900" cy="152400"/>
+            <a:ext cx="8343900" cy="190500"/>
           </a:xfrm>
           <a:prstGeom prst="roundRect">
             <a:avLst/>
@@ -20664,7 +20524,7 @@
         <p:spPr>
           <a:xfrm>
             <a:off x="400050" y="1133475"/>
-            <a:ext cx="834390" cy="152400"/>
+            <a:ext cx="834390" cy="190500"/>
           </a:xfrm>
           <a:prstGeom prst="roundRect">
             <a:avLst/>
@@ -20707,7 +20567,7 @@
         <p:spPr>
           <a:xfrm>
             <a:off x="8058150" y="1133475"/>
-            <a:ext cx="685800" cy="152400"/>
+            <a:ext cx="685800" cy="190500"/>
           </a:xfrm>
           <a:prstGeom prst="rect">
             <a:avLst/>
@@ -20746,7 +20606,7 @@
         </p:nvSpPr>
         <p:spPr>
           <a:xfrm>
-            <a:off x="400050" y="1362075"/>
+            <a:off x="400050" y="1400175"/>
             <a:ext cx="8343900" cy="133350"/>
           </a:xfrm>
           <a:prstGeom prst="rect">
@@ -20786,7 +20646,7 @@
         </p:nvSpPr>
         <p:spPr>
           <a:xfrm>
-            <a:off x="666750" y="1562100"/>
+            <a:off x="666750" y="1600200"/>
             <a:ext cx="95250" cy="123825"/>
           </a:xfrm>
           <a:prstGeom prst="rect">
@@ -20826,7 +20686,7 @@
         </p:nvSpPr>
         <p:spPr>
           <a:xfrm>
-            <a:off x="781050" y="1562100"/>
+            <a:off x="781050" y="1600200"/>
             <a:ext cx="8001000" cy="123825"/>
           </a:xfrm>
           <a:prstGeom prst="rect">
@@ -20866,7 +20726,7 @@
         </p:nvSpPr>
         <p:spPr>
           <a:xfrm>
-            <a:off x="666750" y="1685925"/>
+            <a:off x="666750" y="1724025"/>
             <a:ext cx="95250" cy="123825"/>
           </a:xfrm>
           <a:prstGeom prst="rect">
@@ -20906,7 +20766,7 @@
         </p:nvSpPr>
         <p:spPr>
           <a:xfrm>
-            <a:off x="781050" y="1685925"/>
+            <a:off x="781050" y="1724025"/>
             <a:ext cx="8001000" cy="123825"/>
           </a:xfrm>
           <a:prstGeom prst="rect">
@@ -20946,7 +20806,7 @@
         </p:nvSpPr>
         <p:spPr>
           <a:xfrm>
-            <a:off x="666750" y="1809750"/>
+            <a:off x="666750" y="1847850"/>
             <a:ext cx="95250" cy="123825"/>
           </a:xfrm>
           <a:prstGeom prst="rect">
@@ -20986,7 +20846,7 @@
         </p:nvSpPr>
         <p:spPr>
           <a:xfrm>
-            <a:off x="781050" y="1809750"/>
+            <a:off x="781050" y="1847850"/>
             <a:ext cx="8001000" cy="123825"/>
           </a:xfrm>
           <a:prstGeom prst="rect">
@@ -21026,7 +20886,7 @@
         </p:nvSpPr>
         <p:spPr>
           <a:xfrm>
-            <a:off x="400050" y="1933575"/>
+            <a:off x="400050" y="1971675"/>
             <a:ext cx="8343900" cy="133350"/>
           </a:xfrm>
           <a:prstGeom prst="rect">
@@ -21140,7 +21000,7 @@
               </a:spcAft>
             </a:pPr>
             <a:r>
-              <a:rPr sz="900" b="1">
+              <a:rPr sz="975" b="1">
                 <a:solidFill>
                   <a:srgbClr val="006272"/>
                 </a:solidFill>
@@ -22544,7 +22404,7 @@
               </a:spcAft>
             </a:pPr>
             <a:r>
-              <a:rPr sz="1000" b="1">
+              <a:rPr sz="1050" b="1">
                 <a:solidFill>
                   <a:srgbClr val="FFFFFF"/>
                 </a:solidFill>
@@ -22667,7 +22527,7 @@
               </a:spcAft>
             </a:pPr>
             <a:r>
-              <a:rPr sz="1000" b="0">
+              <a:rPr sz="1050" b="0">
                 <a:solidFill>
                   <a:srgbClr val="FFFFFF"/>
                 </a:solidFill>
@@ -22707,7 +22567,7 @@
               </a:spcAft>
             </a:pPr>
             <a:r>
-              <a:rPr sz="1300" b="1">
+              <a:rPr sz="1350" b="1">
                 <a:solidFill>
                   <a:srgbClr val="FFFFFF"/>
                 </a:solidFill>
@@ -22790,7 +22650,7 @@
               </a:spcAft>
             </a:pPr>
             <a:r>
-              <a:rPr sz="900" b="1">
+              <a:rPr sz="975" b="1">
                 <a:solidFill>
                   <a:srgbClr val="006272"/>
                 </a:solidFill>
@@ -22998,7 +22858,7 @@
               </a:spcAft>
             </a:pPr>
             <a:r>
-              <a:rPr sz="900" b="1">
+              <a:rPr sz="975" b="1">
                 <a:solidFill>
                   <a:srgbClr val="006272"/>
                 </a:solidFill>
@@ -23446,7 +23306,7 @@
               </a:spcAft>
             </a:pPr>
             <a:r>
-              <a:rPr sz="900" b="1">
+              <a:rPr sz="975" b="1">
                 <a:solidFill>
                   <a:srgbClr val="006272"/>
                 </a:solidFill>
@@ -23814,7 +23674,7 @@
               </a:spcAft>
             </a:pPr>
             <a:r>
-              <a:rPr sz="900" b="1">
+              <a:rPr sz="975" b="1">
                 <a:solidFill>
                   <a:srgbClr val="006272"/>
                 </a:solidFill>
@@ -24182,7 +24042,7 @@
               </a:spcAft>
             </a:pPr>
             <a:r>
-              <a:rPr sz="900" b="1">
+              <a:rPr sz="975" b="1">
                 <a:solidFill>
                   <a:srgbClr val="006272"/>
                 </a:solidFill>
@@ -24510,7 +24370,7 @@
               </a:spcAft>
             </a:pPr>
             <a:r>
-              <a:rPr sz="900" b="1">
+              <a:rPr sz="975" b="1">
                 <a:solidFill>
                   <a:srgbClr val="006272"/>
                 </a:solidFill>
@@ -24914,7 +24774,7 @@
               </a:spcAft>
             </a:pPr>
             <a:r>
-              <a:rPr sz="900" b="1">
+              <a:rPr sz="975" b="1">
                 <a:solidFill>
                   <a:srgbClr val="006272"/>
                 </a:solidFill>
@@ -25162,7 +25022,7 @@
               </a:spcAft>
             </a:pPr>
             <a:r>
-              <a:rPr sz="900" b="1">
+              <a:rPr sz="975" b="1">
                 <a:solidFill>
                   <a:srgbClr val="006272"/>
                 </a:solidFill>
@@ -25631,7 +25491,7 @@
               </a:spcAft>
             </a:pPr>
             <a:r>
-              <a:rPr sz="1000" b="1">
+              <a:rPr sz="1050" b="1">
                 <a:solidFill>
                   <a:srgbClr val="FFFFFF"/>
                 </a:solidFill>
@@ -25754,7 +25614,7 @@
               </a:spcAft>
             </a:pPr>
             <a:r>
-              <a:rPr sz="1000" b="0">
+              <a:rPr sz="1050" b="0">
                 <a:solidFill>
                   <a:srgbClr val="FFFFFF"/>
                 </a:solidFill>
@@ -25794,7 +25654,7 @@
               </a:spcAft>
             </a:pPr>
             <a:r>
-              <a:rPr sz="1300" b="1">
+              <a:rPr sz="1350" b="1">
                 <a:solidFill>
                   <a:srgbClr val="FFFFFF"/>
                 </a:solidFill>
@@ -25877,7 +25737,7 @@
               </a:spcAft>
             </a:pPr>
             <a:r>
-              <a:rPr sz="900" b="1">
+              <a:rPr sz="975" b="1">
                 <a:solidFill>
                   <a:srgbClr val="006272"/>
                 </a:solidFill>
@@ -26758,7 +26618,7 @@
               </a:spcAft>
             </a:pPr>
             <a:r>
-              <a:rPr sz="900" b="1">
+              <a:rPr sz="975" b="1">
                 <a:solidFill>
                   <a:srgbClr val="006272"/>
                 </a:solidFill>
@@ -27254,7 +27114,7 @@
               </a:spcAft>
             </a:pPr>
             <a:r>
-              <a:rPr sz="1000" b="1">
+              <a:rPr sz="1050" b="1">
                 <a:solidFill>
                   <a:srgbClr val="FFFFFF"/>
                 </a:solidFill>
@@ -27377,7 +27237,7 @@
               </a:spcAft>
             </a:pPr>
             <a:r>
-              <a:rPr sz="1000" b="0">
+              <a:rPr sz="1050" b="0">
                 <a:solidFill>
                   <a:srgbClr val="FFFFFF"/>
                 </a:solidFill>
@@ -27417,7 +27277,7 @@
               </a:spcAft>
             </a:pPr>
             <a:r>
-              <a:rPr sz="1300" b="1">
+              <a:rPr sz="1350" b="1">
                 <a:solidFill>
                   <a:srgbClr val="FFFFFF"/>
                 </a:solidFill>
@@ -27500,7 +27360,7 @@
               </a:spcAft>
             </a:pPr>
             <a:r>
-              <a:rPr sz="900" b="1">
+              <a:rPr sz="975" b="1">
                 <a:solidFill>
                   <a:srgbClr val="006272"/>
                 </a:solidFill>
@@ -27614,7 +27474,7 @@
         <p:spPr>
           <a:xfrm>
             <a:off x="400050" y="1133475"/>
-            <a:ext cx="8343900" cy="152400"/>
+            <a:ext cx="8343900" cy="190500"/>
           </a:xfrm>
           <a:prstGeom prst="roundRect">
             <a:avLst/>
@@ -27657,7 +27517,7 @@
         <p:spPr>
           <a:xfrm>
             <a:off x="400050" y="1133475"/>
-            <a:ext cx="4422267" cy="152400"/>
+            <a:ext cx="4422267" cy="190500"/>
           </a:xfrm>
           <a:prstGeom prst="roundRect">
             <a:avLst/>
@@ -27700,7 +27560,7 @@
         <p:spPr>
           <a:xfrm>
             <a:off x="8058150" y="1133475"/>
-            <a:ext cx="685800" cy="152400"/>
+            <a:ext cx="685800" cy="190500"/>
           </a:xfrm>
           <a:prstGeom prst="rect">
             <a:avLst/>
@@ -27739,7 +27599,7 @@
         </p:nvSpPr>
         <p:spPr>
           <a:xfrm>
-            <a:off x="400050" y="1362075"/>
+            <a:off x="400050" y="1400175"/>
             <a:ext cx="8343900" cy="133350"/>
           </a:xfrm>
           <a:prstGeom prst="rect">
@@ -27779,7 +27639,7 @@
         </p:nvSpPr>
         <p:spPr>
           <a:xfrm>
-            <a:off x="666750" y="1562100"/>
+            <a:off x="666750" y="1600200"/>
             <a:ext cx="95250" cy="123825"/>
           </a:xfrm>
           <a:prstGeom prst="rect">
@@ -27819,7 +27679,7 @@
         </p:nvSpPr>
         <p:spPr>
           <a:xfrm>
-            <a:off x="781050" y="1562100"/>
+            <a:off x="781050" y="1600200"/>
             <a:ext cx="8001000" cy="123825"/>
           </a:xfrm>
           <a:prstGeom prst="rect">
@@ -27859,7 +27719,7 @@
         </p:nvSpPr>
         <p:spPr>
           <a:xfrm>
-            <a:off x="666750" y="1685925"/>
+            <a:off x="666750" y="1724025"/>
             <a:ext cx="95250" cy="123825"/>
           </a:xfrm>
           <a:prstGeom prst="rect">
@@ -27899,7 +27759,7 @@
         </p:nvSpPr>
         <p:spPr>
           <a:xfrm>
-            <a:off x="781050" y="1685925"/>
+            <a:off x="781050" y="1724025"/>
             <a:ext cx="8001000" cy="123825"/>
           </a:xfrm>
           <a:prstGeom prst="rect">
@@ -27939,7 +27799,7 @@
         </p:nvSpPr>
         <p:spPr>
           <a:xfrm>
-            <a:off x="666750" y="1809750"/>
+            <a:off x="666750" y="1847850"/>
             <a:ext cx="95250" cy="123825"/>
           </a:xfrm>
           <a:prstGeom prst="rect">
@@ -27979,7 +27839,7 @@
         </p:nvSpPr>
         <p:spPr>
           <a:xfrm>
-            <a:off x="781050" y="1809750"/>
+            <a:off x="781050" y="1847850"/>
             <a:ext cx="8001000" cy="123825"/>
           </a:xfrm>
           <a:prstGeom prst="rect">
@@ -28019,7 +27879,7 @@
         </p:nvSpPr>
         <p:spPr>
           <a:xfrm>
-            <a:off x="400050" y="1933575"/>
+            <a:off x="400050" y="1971675"/>
             <a:ext cx="8343900" cy="133350"/>
           </a:xfrm>
           <a:prstGeom prst="rect">
@@ -28133,7 +27993,7 @@
               </a:spcAft>
             </a:pPr>
             <a:r>
-              <a:rPr sz="900" b="1">
+              <a:rPr sz="975" b="1">
                 <a:solidFill>
                   <a:srgbClr val="006272"/>
                 </a:solidFill>
@@ -29742,7 +29602,7 @@
               </a:spcAft>
             </a:pPr>
             <a:r>
-              <a:rPr sz="1000" b="1">
+              <a:rPr sz="1050" b="1">
                 <a:solidFill>
                   <a:srgbClr val="FFFFFF"/>
                 </a:solidFill>
@@ -29865,7 +29725,7 @@
               </a:spcAft>
             </a:pPr>
             <a:r>
-              <a:rPr sz="1000" b="0">
+              <a:rPr sz="1050" b="0">
                 <a:solidFill>
                   <a:srgbClr val="FFFFFF"/>
                 </a:solidFill>
@@ -29905,7 +29765,7 @@
               </a:spcAft>
             </a:pPr>
             <a:r>
-              <a:rPr sz="1300" b="1">
+              <a:rPr sz="1350" b="1">
                 <a:solidFill>
                   <a:srgbClr val="FFFFFF"/>
                 </a:solidFill>
@@ -29988,7 +29848,7 @@
               </a:spcAft>
             </a:pPr>
             <a:r>
-              <a:rPr sz="900" b="1">
+              <a:rPr sz="975" b="1">
                 <a:solidFill>
                   <a:srgbClr val="006272"/>
                 </a:solidFill>
@@ -30196,7 +30056,7 @@
               </a:spcAft>
             </a:pPr>
             <a:r>
-              <a:rPr sz="900" b="1">
+              <a:rPr sz="975" b="1">
                 <a:solidFill>
                   <a:srgbClr val="006272"/>
                 </a:solidFill>
@@ -30644,7 +30504,7 @@
               </a:spcAft>
             </a:pPr>
             <a:r>
-              <a:rPr sz="900" b="1">
+              <a:rPr sz="975" b="1">
                 <a:solidFill>
                   <a:srgbClr val="006272"/>
                 </a:solidFill>
@@ -31012,7 +30872,7 @@
               </a:spcAft>
             </a:pPr>
             <a:r>
-              <a:rPr sz="900" b="1">
+              <a:rPr sz="975" b="1">
                 <a:solidFill>
                   <a:srgbClr val="006272"/>
                 </a:solidFill>
@@ -31380,7 +31240,7 @@
               </a:spcAft>
             </a:pPr>
             <a:r>
-              <a:rPr sz="900" b="1">
+              <a:rPr sz="975" b="1">
                 <a:solidFill>
                   <a:srgbClr val="006272"/>
                 </a:solidFill>
@@ -31708,7 +31568,7 @@
               </a:spcAft>
             </a:pPr>
             <a:r>
-              <a:rPr sz="900" b="1">
+              <a:rPr sz="975" b="1">
                 <a:solidFill>
                   <a:srgbClr val="006272"/>
                 </a:solidFill>
@@ -32094,7 +31954,7 @@
               </a:spcAft>
             </a:pPr>
             <a:r>
-              <a:rPr sz="900" b="1">
+              <a:rPr sz="975" b="1">
                 <a:solidFill>
                   <a:srgbClr val="006272"/>
                 </a:solidFill>
@@ -32342,7 +32202,7 @@
               </a:spcAft>
             </a:pPr>
             <a:r>
-              <a:rPr sz="900" b="1">
+              <a:rPr sz="975" b="1">
                 <a:solidFill>
                   <a:srgbClr val="006272"/>
                 </a:solidFill>
@@ -32811,7 +32671,7 @@
               </a:spcAft>
             </a:pPr>
             <a:r>
-              <a:rPr sz="1000" b="1">
+              <a:rPr sz="1050" b="1">
                 <a:solidFill>
                   <a:srgbClr val="FFFFFF"/>
                 </a:solidFill>
@@ -32934,7 +32794,7 @@
               </a:spcAft>
             </a:pPr>
             <a:r>
-              <a:rPr sz="1000" b="0">
+              <a:rPr sz="1050" b="0">
                 <a:solidFill>
                   <a:srgbClr val="FFFFFF"/>
                 </a:solidFill>
@@ -32974,7 +32834,7 @@
               </a:spcAft>
             </a:pPr>
             <a:r>
-              <a:rPr sz="1300" b="1">
+              <a:rPr sz="1350" b="1">
                 <a:solidFill>
                   <a:srgbClr val="FFFFFF"/>
                 </a:solidFill>
@@ -33057,7 +32917,7 @@
               </a:spcAft>
             </a:pPr>
             <a:r>
-              <a:rPr sz="900" b="1">
+              <a:rPr sz="975" b="1">
                 <a:solidFill>
                   <a:srgbClr val="006272"/>
                 </a:solidFill>
@@ -33265,7 +33125,7 @@
               </a:spcAft>
             </a:pPr>
             <a:r>
-              <a:rPr sz="900" b="1">
+              <a:rPr sz="975" b="1">
                 <a:solidFill>
                   <a:srgbClr val="006272"/>
                 </a:solidFill>
@@ -33713,7 +33573,7 @@
               </a:spcAft>
             </a:pPr>
             <a:r>
-              <a:rPr sz="900" b="1">
+              <a:rPr sz="975" b="1">
                 <a:solidFill>
                   <a:srgbClr val="006272"/>
                 </a:solidFill>
@@ -34081,7 +33941,7 @@
               </a:spcAft>
             </a:pPr>
             <a:r>
-              <a:rPr sz="900" b="1">
+              <a:rPr sz="975" b="1">
                 <a:solidFill>
                   <a:srgbClr val="006272"/>
                 </a:solidFill>
@@ -34449,7 +34309,7 @@
               </a:spcAft>
             </a:pPr>
             <a:r>
-              <a:rPr sz="900" b="1">
+              <a:rPr sz="975" b="1">
                 <a:solidFill>
                   <a:srgbClr val="006272"/>
                 </a:solidFill>
@@ -34777,7 +34637,7 @@
               </a:spcAft>
             </a:pPr>
             <a:r>
-              <a:rPr sz="900" b="1">
+              <a:rPr sz="975" b="1">
                 <a:solidFill>
                   <a:srgbClr val="006272"/>
                 </a:solidFill>
@@ -35181,7 +35041,7 @@
               </a:spcAft>
             </a:pPr>
             <a:r>
-              <a:rPr sz="900" b="1">
+              <a:rPr sz="975" b="1">
                 <a:solidFill>
                   <a:srgbClr val="006272"/>
                 </a:solidFill>
@@ -35429,7 +35289,7 @@
               </a:spcAft>
             </a:pPr>
             <a:r>
-              <a:rPr sz="900" b="1">
+              <a:rPr sz="975" b="1">
                 <a:solidFill>
                   <a:srgbClr val="006272"/>
                 </a:solidFill>
@@ -35898,7 +35758,7 @@
               </a:spcAft>
             </a:pPr>
             <a:r>
-              <a:rPr sz="1000" b="1">
+              <a:rPr sz="1050" b="1">
                 <a:solidFill>
                   <a:srgbClr val="FFFFFF"/>
                 </a:solidFill>
@@ -36021,7 +35881,7 @@
               </a:spcAft>
             </a:pPr>
             <a:r>
-              <a:rPr sz="1000" b="0">
+              <a:rPr sz="1050" b="0">
                 <a:solidFill>
                   <a:srgbClr val="FFFFFF"/>
                 </a:solidFill>
@@ -36061,7 +35921,7 @@
               </a:spcAft>
             </a:pPr>
             <a:r>
-              <a:rPr sz="1300" b="1">
+              <a:rPr sz="1350" b="1">
                 <a:solidFill>
                   <a:srgbClr val="FFFFFF"/>
                 </a:solidFill>
@@ -36144,7 +36004,7 @@
               </a:spcAft>
             </a:pPr>
             <a:r>
-              <a:rPr sz="900" b="1">
+              <a:rPr sz="975" b="1">
                 <a:solidFill>
                   <a:srgbClr val="006272"/>
                 </a:solidFill>
@@ -37025,7 +36885,7 @@
               </a:spcAft>
             </a:pPr>
             <a:r>
-              <a:rPr sz="900" b="1">
+              <a:rPr sz="975" b="1">
                 <a:solidFill>
                   <a:srgbClr val="006272"/>
                 </a:solidFill>
@@ -37521,7 +37381,7 @@
               </a:spcAft>
             </a:pPr>
             <a:r>
-              <a:rPr sz="1000" b="1">
+              <a:rPr sz="1050" b="1">
                 <a:solidFill>
                   <a:srgbClr val="FFFFFF"/>
                 </a:solidFill>
@@ -37644,7 +37504,7 @@
               </a:spcAft>
             </a:pPr>
             <a:r>
-              <a:rPr sz="1000" b="0">
+              <a:rPr sz="1050" b="0">
                 <a:solidFill>
                   <a:srgbClr val="FFFFFF"/>
                 </a:solidFill>
@@ -37684,7 +37544,7 @@
               </a:spcAft>
             </a:pPr>
             <a:r>
-              <a:rPr sz="1300" b="1">
+              <a:rPr sz="1350" b="1">
                 <a:solidFill>
                   <a:srgbClr val="FFFFFF"/>
                 </a:solidFill>
@@ -37767,7 +37627,7 @@
               </a:spcAft>
             </a:pPr>
             <a:r>
-              <a:rPr sz="900" b="1">
+              <a:rPr sz="975" b="1">
                 <a:solidFill>
                   <a:srgbClr val="006272"/>
                 </a:solidFill>
@@ -37881,7 +37741,7 @@
         <p:spPr>
           <a:xfrm>
             <a:off x="400050" y="1133475"/>
-            <a:ext cx="8343900" cy="152400"/>
+            <a:ext cx="8343900" cy="190500"/>
           </a:xfrm>
           <a:prstGeom prst="roundRect">
             <a:avLst/>
@@ -37924,7 +37784,7 @@
         <p:spPr>
           <a:xfrm>
             <a:off x="400050" y="1133475"/>
-            <a:ext cx="4422267" cy="152400"/>
+            <a:ext cx="4422267" cy="190500"/>
           </a:xfrm>
           <a:prstGeom prst="roundRect">
             <a:avLst/>
@@ -37967,7 +37827,7 @@
         <p:spPr>
           <a:xfrm>
             <a:off x="8058150" y="1133475"/>
-            <a:ext cx="685800" cy="152400"/>
+            <a:ext cx="685800" cy="190500"/>
           </a:xfrm>
           <a:prstGeom prst="rect">
             <a:avLst/>
@@ -38006,7 +37866,7 @@
         </p:nvSpPr>
         <p:spPr>
           <a:xfrm>
-            <a:off x="400050" y="1362075"/>
+            <a:off x="400050" y="1400175"/>
             <a:ext cx="8343900" cy="133350"/>
           </a:xfrm>
           <a:prstGeom prst="rect">
@@ -38046,7 +37906,7 @@
         </p:nvSpPr>
         <p:spPr>
           <a:xfrm>
-            <a:off x="666750" y="1562100"/>
+            <a:off x="666750" y="1600200"/>
             <a:ext cx="95250" cy="123825"/>
           </a:xfrm>
           <a:prstGeom prst="rect">
@@ -38086,7 +37946,7 @@
         </p:nvSpPr>
         <p:spPr>
           <a:xfrm>
-            <a:off x="781050" y="1562100"/>
+            <a:off x="781050" y="1600200"/>
             <a:ext cx="8001000" cy="123825"/>
           </a:xfrm>
           <a:prstGeom prst="rect">
@@ -38126,7 +37986,7 @@
         </p:nvSpPr>
         <p:spPr>
           <a:xfrm>
-            <a:off x="666750" y="1685925"/>
+            <a:off x="666750" y="1724025"/>
             <a:ext cx="95250" cy="123825"/>
           </a:xfrm>
           <a:prstGeom prst="rect">
@@ -38166,7 +38026,7 @@
         </p:nvSpPr>
         <p:spPr>
           <a:xfrm>
-            <a:off x="781050" y="1685925"/>
+            <a:off x="781050" y="1724025"/>
             <a:ext cx="8001000" cy="123825"/>
           </a:xfrm>
           <a:prstGeom prst="rect">
@@ -38206,7 +38066,7 @@
         </p:nvSpPr>
         <p:spPr>
           <a:xfrm>
-            <a:off x="666750" y="1809750"/>
+            <a:off x="666750" y="1847850"/>
             <a:ext cx="95250" cy="123825"/>
           </a:xfrm>
           <a:prstGeom prst="rect">
@@ -38246,7 +38106,7 @@
         </p:nvSpPr>
         <p:spPr>
           <a:xfrm>
-            <a:off x="781050" y="1809750"/>
+            <a:off x="781050" y="1847850"/>
             <a:ext cx="8001000" cy="123825"/>
           </a:xfrm>
           <a:prstGeom prst="rect">
@@ -38286,7 +38146,7 @@
         </p:nvSpPr>
         <p:spPr>
           <a:xfrm>
-            <a:off x="400050" y="1933575"/>
+            <a:off x="400050" y="1971675"/>
             <a:ext cx="8343900" cy="133350"/>
           </a:xfrm>
           <a:prstGeom prst="rect">
@@ -38400,7 +38260,7 @@
               </a:spcAft>
             </a:pPr>
             <a:r>
-              <a:rPr sz="900" b="1">
+              <a:rPr sz="975" b="1">
                 <a:solidFill>
                   <a:srgbClr val="006272"/>
                 </a:solidFill>
@@ -40009,7 +39869,7 @@
               </a:spcAft>
             </a:pPr>
             <a:r>
-              <a:rPr sz="1000" b="1">
+              <a:rPr sz="1050" b="1">
                 <a:solidFill>
                   <a:srgbClr val="FFFFFF"/>
                 </a:solidFill>
@@ -40132,7 +39992,7 @@
               </a:spcAft>
             </a:pPr>
             <a:r>
-              <a:rPr sz="1000" b="0">
+              <a:rPr sz="1050" b="0">
                 <a:solidFill>
                   <a:srgbClr val="FFFFFF"/>
                 </a:solidFill>
@@ -40172,7 +40032,7 @@
               </a:spcAft>
             </a:pPr>
             <a:r>
-              <a:rPr sz="1300" b="1">
+              <a:rPr sz="1350" b="1">
                 <a:solidFill>
                   <a:srgbClr val="FFFFFF"/>
                 </a:solidFill>
@@ -40255,7 +40115,7 @@
               </a:spcAft>
             </a:pPr>
             <a:r>
-              <a:rPr sz="900" b="1">
+              <a:rPr sz="975" b="1">
                 <a:solidFill>
                   <a:srgbClr val="006272"/>
                 </a:solidFill>
@@ -41436,7 +41296,7 @@
               </a:spcAft>
             </a:pPr>
             <a:r>
-              <a:rPr sz="1000" b="1">
+              <a:rPr sz="1050" b="1">
                 <a:solidFill>
                   <a:srgbClr val="FFFFFF"/>
                 </a:solidFill>
@@ -41559,7 +41419,7 @@
               </a:spcAft>
             </a:pPr>
             <a:r>
-              <a:rPr sz="1000" b="0">
+              <a:rPr sz="1050" b="0">
                 <a:solidFill>
                   <a:srgbClr val="FFFFFF"/>
                 </a:solidFill>
@@ -41599,7 +41459,7 @@
               </a:spcAft>
             </a:pPr>
             <a:r>
-              <a:rPr sz="1300" b="1">
+              <a:rPr sz="1350" b="1">
                 <a:solidFill>
                   <a:srgbClr val="FFFFFF"/>
                 </a:solidFill>
@@ -41682,7 +41542,7 @@
               </a:spcAft>
             </a:pPr>
             <a:r>
-              <a:rPr sz="900" b="1">
+              <a:rPr sz="975" b="1">
                 <a:solidFill>
                   <a:srgbClr val="006272"/>
                 </a:solidFill>
@@ -42563,7 +42423,7 @@
               </a:spcAft>
             </a:pPr>
             <a:r>
-              <a:rPr sz="900" b="1">
+              <a:rPr sz="975" b="1">
                 <a:solidFill>
                   <a:srgbClr val="006272"/>
                 </a:solidFill>
@@ -43059,7 +42919,7 @@
               </a:spcAft>
             </a:pPr>
             <a:r>
-              <a:rPr sz="1000" b="1">
+              <a:rPr sz="1050" b="1">
                 <a:solidFill>
                   <a:srgbClr val="FFFFFF"/>
                 </a:solidFill>
@@ -43182,7 +43042,7 @@
               </a:spcAft>
             </a:pPr>
             <a:r>
-              <a:rPr sz="1000" b="0">
+              <a:rPr sz="1050" b="0">
                 <a:solidFill>
                   <a:srgbClr val="FFFFFF"/>
                 </a:solidFill>
@@ -43222,7 +43082,7 @@
               </a:spcAft>
             </a:pPr>
             <a:r>
-              <a:rPr sz="1300" b="1">
+              <a:rPr sz="1350" b="1">
                 <a:solidFill>
                   <a:srgbClr val="FFFFFF"/>
                 </a:solidFill>
@@ -43305,7 +43165,7 @@
               </a:spcAft>
             </a:pPr>
             <a:r>
-              <a:rPr sz="900" b="1">
+              <a:rPr sz="975" b="1">
                 <a:solidFill>
                   <a:srgbClr val="006272"/>
                 </a:solidFill>
@@ -43419,7 +43279,7 @@
         <p:spPr>
           <a:xfrm>
             <a:off x="400050" y="1133475"/>
-            <a:ext cx="8343900" cy="152400"/>
+            <a:ext cx="8343900" cy="190500"/>
           </a:xfrm>
           <a:prstGeom prst="roundRect">
             <a:avLst/>
@@ -43462,7 +43322,7 @@
         <p:spPr>
           <a:xfrm>
             <a:off x="400050" y="1133475"/>
-            <a:ext cx="5506974" cy="152400"/>
+            <a:ext cx="5506974" cy="190500"/>
           </a:xfrm>
           <a:prstGeom prst="roundRect">
             <a:avLst/>
@@ -43505,7 +43365,7 @@
         <p:spPr>
           <a:xfrm>
             <a:off x="8058150" y="1133475"/>
-            <a:ext cx="685800" cy="152400"/>
+            <a:ext cx="685800" cy="190500"/>
           </a:xfrm>
           <a:prstGeom prst="rect">
             <a:avLst/>
@@ -43544,7 +43404,7 @@
         </p:nvSpPr>
         <p:spPr>
           <a:xfrm>
-            <a:off x="400050" y="1362075"/>
+            <a:off x="400050" y="1400175"/>
             <a:ext cx="8343900" cy="133350"/>
           </a:xfrm>
           <a:prstGeom prst="rect">
@@ -43584,7 +43444,7 @@
         </p:nvSpPr>
         <p:spPr>
           <a:xfrm>
-            <a:off x="666750" y="1562100"/>
+            <a:off x="666750" y="1600200"/>
             <a:ext cx="95250" cy="123825"/>
           </a:xfrm>
           <a:prstGeom prst="rect">
@@ -43624,7 +43484,7 @@
         </p:nvSpPr>
         <p:spPr>
           <a:xfrm>
-            <a:off x="781050" y="1562100"/>
+            <a:off x="781050" y="1600200"/>
             <a:ext cx="8001000" cy="123825"/>
           </a:xfrm>
           <a:prstGeom prst="rect">
@@ -43664,7 +43524,7 @@
         </p:nvSpPr>
         <p:spPr>
           <a:xfrm>
-            <a:off x="666750" y="1685925"/>
+            <a:off x="666750" y="1724025"/>
             <a:ext cx="95250" cy="123825"/>
           </a:xfrm>
           <a:prstGeom prst="rect">
@@ -43704,7 +43564,7 @@
         </p:nvSpPr>
         <p:spPr>
           <a:xfrm>
-            <a:off x="781050" y="1685925"/>
+            <a:off x="781050" y="1724025"/>
             <a:ext cx="8001000" cy="123825"/>
           </a:xfrm>
           <a:prstGeom prst="rect">
@@ -43744,7 +43604,7 @@
         </p:nvSpPr>
         <p:spPr>
           <a:xfrm>
-            <a:off x="666750" y="1809750"/>
+            <a:off x="666750" y="1847850"/>
             <a:ext cx="95250" cy="123825"/>
           </a:xfrm>
           <a:prstGeom prst="rect">
@@ -43784,7 +43644,7 @@
         </p:nvSpPr>
         <p:spPr>
           <a:xfrm>
-            <a:off x="781050" y="1809750"/>
+            <a:off x="781050" y="1847850"/>
             <a:ext cx="8001000" cy="123825"/>
           </a:xfrm>
           <a:prstGeom prst="rect">
@@ -43824,7 +43684,7 @@
         </p:nvSpPr>
         <p:spPr>
           <a:xfrm>
-            <a:off x="400050" y="1933575"/>
+            <a:off x="400050" y="1971675"/>
             <a:ext cx="8343900" cy="133350"/>
           </a:xfrm>
           <a:prstGeom prst="rect">
@@ -43938,7 +43798,7 @@
               </a:spcAft>
             </a:pPr>
             <a:r>
-              <a:rPr sz="900" b="1">
+              <a:rPr sz="975" b="1">
                 <a:solidFill>
                   <a:srgbClr val="006272"/>
                 </a:solidFill>
@@ -45342,7 +45202,7 @@
               </a:spcAft>
             </a:pPr>
             <a:r>
-              <a:rPr sz="1000" b="1">
+              <a:rPr sz="1050" b="1">
                 <a:solidFill>
                   <a:srgbClr val="FFFFFF"/>
                 </a:solidFill>
@@ -45465,7 +45325,7 @@
               </a:spcAft>
             </a:pPr>
             <a:r>
-              <a:rPr sz="1000" b="0">
+              <a:rPr sz="1050" b="0">
                 <a:solidFill>
                   <a:srgbClr val="FFFFFF"/>
                 </a:solidFill>
@@ -45505,7 +45365,7 @@
               </a:spcAft>
             </a:pPr>
             <a:r>
-              <a:rPr sz="1300" b="1">
+              <a:rPr sz="1350" b="1">
                 <a:solidFill>
                   <a:srgbClr val="FFFFFF"/>
                 </a:solidFill>
@@ -45588,7 +45448,7 @@
               </a:spcAft>
             </a:pPr>
             <a:r>
-              <a:rPr sz="900" b="1">
+              <a:rPr sz="975" b="1">
                 <a:solidFill>
                   <a:srgbClr val="006272"/>
                 </a:solidFill>
@@ -45796,7 +45656,7 @@
               </a:spcAft>
             </a:pPr>
             <a:r>
-              <a:rPr sz="900" b="1">
+              <a:rPr sz="975" b="1">
                 <a:solidFill>
                   <a:srgbClr val="006272"/>
                 </a:solidFill>
@@ -46244,7 +46104,7 @@
               </a:spcAft>
             </a:pPr>
             <a:r>
-              <a:rPr sz="900" b="1">
+              <a:rPr sz="975" b="1">
                 <a:solidFill>
                   <a:srgbClr val="006272"/>
                 </a:solidFill>
@@ -46612,7 +46472,7 @@
               </a:spcAft>
             </a:pPr>
             <a:r>
-              <a:rPr sz="900" b="1">
+              <a:rPr sz="975" b="1">
                 <a:solidFill>
                   <a:srgbClr val="006272"/>
                 </a:solidFill>
@@ -46980,7 +46840,7 @@
               </a:spcAft>
             </a:pPr>
             <a:r>
-              <a:rPr sz="900" b="1">
+              <a:rPr sz="975" b="1">
                 <a:solidFill>
                   <a:srgbClr val="006272"/>
                 </a:solidFill>
@@ -47308,7 +47168,7 @@
               </a:spcAft>
             </a:pPr>
             <a:r>
-              <a:rPr sz="900" b="1">
+              <a:rPr sz="975" b="1">
                 <a:solidFill>
                   <a:srgbClr val="006272"/>
                 </a:solidFill>
@@ -47694,7 +47554,7 @@
               </a:spcAft>
             </a:pPr>
             <a:r>
-              <a:rPr sz="900" b="1">
+              <a:rPr sz="975" b="1">
                 <a:solidFill>
                   <a:srgbClr val="006272"/>
                 </a:solidFill>
@@ -47942,7 +47802,7 @@
               </a:spcAft>
             </a:pPr>
             <a:r>
-              <a:rPr sz="900" b="1">
+              <a:rPr sz="975" b="1">
                 <a:solidFill>
                   <a:srgbClr val="006272"/>
                 </a:solidFill>
@@ -48411,7 +48271,7 @@
               </a:spcAft>
             </a:pPr>
             <a:r>
-              <a:rPr sz="1000" b="1">
+              <a:rPr sz="1050" b="1">
                 <a:solidFill>
                   <a:srgbClr val="FFFFFF"/>
                 </a:solidFill>
@@ -48534,7 +48394,7 @@
               </a:spcAft>
             </a:pPr>
             <a:r>
-              <a:rPr sz="1000" b="0">
+              <a:rPr sz="1050" b="0">
                 <a:solidFill>
                   <a:srgbClr val="FFFFFF"/>
                 </a:solidFill>
@@ -48574,7 +48434,7 @@
               </a:spcAft>
             </a:pPr>
             <a:r>
-              <a:rPr sz="1300" b="1">
+              <a:rPr sz="1350" b="1">
                 <a:solidFill>
                   <a:srgbClr val="FFFFFF"/>
                 </a:solidFill>
@@ -48657,7 +48517,7 @@
               </a:spcAft>
             </a:pPr>
             <a:r>
-              <a:rPr sz="900" b="1">
+              <a:rPr sz="975" b="1">
                 <a:solidFill>
                   <a:srgbClr val="006272"/>
                 </a:solidFill>
@@ -49583,7 +49443,7 @@
               </a:spcAft>
             </a:pPr>
             <a:r>
-              <a:rPr sz="900" b="1">
+              <a:rPr sz="975" b="1">
                 <a:solidFill>
                   <a:srgbClr val="006272"/>
                 </a:solidFill>
@@ -50079,7 +49939,7 @@
               </a:spcAft>
             </a:pPr>
             <a:r>
-              <a:rPr sz="1000" b="1">
+              <a:rPr sz="1050" b="1">
                 <a:solidFill>
                   <a:srgbClr val="FFFFFF"/>
                 </a:solidFill>
@@ -50202,7 +50062,7 @@
               </a:spcAft>
             </a:pPr>
             <a:r>
-              <a:rPr sz="1000" b="0">
+              <a:rPr sz="1050" b="0">
                 <a:solidFill>
                   <a:srgbClr val="FFFFFF"/>
                 </a:solidFill>
@@ -50242,7 +50102,7 @@
               </a:spcAft>
             </a:pPr>
             <a:r>
-              <a:rPr sz="1300" b="1">
+              <a:rPr sz="1350" b="1">
                 <a:solidFill>
                   <a:srgbClr val="FFFFFF"/>
                 </a:solidFill>
@@ -50325,7 +50185,7 @@
               </a:spcAft>
             </a:pPr>
             <a:r>
-              <a:rPr sz="900" b="1">
+              <a:rPr sz="975" b="1">
                 <a:solidFill>
                   <a:srgbClr val="006272"/>
                 </a:solidFill>
@@ -50439,7 +50299,7 @@
         <p:spPr>
           <a:xfrm>
             <a:off x="400050" y="1133475"/>
-            <a:ext cx="8343900" cy="152400"/>
+            <a:ext cx="8343900" cy="190500"/>
           </a:xfrm>
           <a:prstGeom prst="roundRect">
             <a:avLst/>
@@ -50482,7 +50342,7 @@
         <p:spPr>
           <a:xfrm>
             <a:off x="400050" y="1133475"/>
-            <a:ext cx="4672584" cy="152400"/>
+            <a:ext cx="4672584" cy="190500"/>
           </a:xfrm>
           <a:prstGeom prst="roundRect">
             <a:avLst/>
@@ -50525,7 +50385,7 @@
         <p:spPr>
           <a:xfrm>
             <a:off x="8058150" y="1133475"/>
-            <a:ext cx="685800" cy="152400"/>
+            <a:ext cx="685800" cy="190500"/>
           </a:xfrm>
           <a:prstGeom prst="rect">
             <a:avLst/>
@@ -50564,7 +50424,7 @@
         </p:nvSpPr>
         <p:spPr>
           <a:xfrm>
-            <a:off x="400050" y="1362075"/>
+            <a:off x="400050" y="1400175"/>
             <a:ext cx="8343900" cy="133350"/>
           </a:xfrm>
           <a:prstGeom prst="rect">
@@ -50604,7 +50464,7 @@
         </p:nvSpPr>
         <p:spPr>
           <a:xfrm>
-            <a:off x="666750" y="1562100"/>
+            <a:off x="666750" y="1600200"/>
             <a:ext cx="95250" cy="123825"/>
           </a:xfrm>
           <a:prstGeom prst="rect">
@@ -50644,7 +50504,7 @@
         </p:nvSpPr>
         <p:spPr>
           <a:xfrm>
-            <a:off x="781050" y="1562100"/>
+            <a:off x="781050" y="1600200"/>
             <a:ext cx="8001000" cy="123825"/>
           </a:xfrm>
           <a:prstGeom prst="rect">
@@ -50684,7 +50544,7 @@
         </p:nvSpPr>
         <p:spPr>
           <a:xfrm>
-            <a:off x="666750" y="1685925"/>
+            <a:off x="666750" y="1724025"/>
             <a:ext cx="95250" cy="123825"/>
           </a:xfrm>
           <a:prstGeom prst="rect">
@@ -50724,7 +50584,7 @@
         </p:nvSpPr>
         <p:spPr>
           <a:xfrm>
-            <a:off x="781050" y="1685925"/>
+            <a:off x="781050" y="1724025"/>
             <a:ext cx="8001000" cy="123825"/>
           </a:xfrm>
           <a:prstGeom prst="rect">
@@ -50764,7 +50624,7 @@
         </p:nvSpPr>
         <p:spPr>
           <a:xfrm>
-            <a:off x="666750" y="1809750"/>
+            <a:off x="666750" y="1847850"/>
             <a:ext cx="95250" cy="123825"/>
           </a:xfrm>
           <a:prstGeom prst="rect">
@@ -50804,7 +50664,7 @@
         </p:nvSpPr>
         <p:spPr>
           <a:xfrm>
-            <a:off x="781050" y="1809750"/>
+            <a:off x="781050" y="1847850"/>
             <a:ext cx="8001000" cy="123825"/>
           </a:xfrm>
           <a:prstGeom prst="rect">
@@ -50844,7 +50704,7 @@
         </p:nvSpPr>
         <p:spPr>
           <a:xfrm>
-            <a:off x="400050" y="1933575"/>
+            <a:off x="400050" y="1971675"/>
             <a:ext cx="8343900" cy="133350"/>
           </a:xfrm>
           <a:prstGeom prst="rect">
@@ -50958,7 +50818,7 @@
               </a:spcAft>
             </a:pPr>
             <a:r>
-              <a:rPr sz="900" b="1">
+              <a:rPr sz="975" b="1">
                 <a:solidFill>
                   <a:srgbClr val="006272"/>
                 </a:solidFill>
@@ -52362,7 +52222,7 @@
               </a:spcAft>
             </a:pPr>
             <a:r>
-              <a:rPr sz="1000" b="1">
+              <a:rPr sz="1050" b="1">
                 <a:solidFill>
                   <a:srgbClr val="FFFFFF"/>
                 </a:solidFill>
@@ -52485,7 +52345,7 @@
               </a:spcAft>
             </a:pPr>
             <a:r>
-              <a:rPr sz="1000" b="0">
+              <a:rPr sz="1050" b="0">
                 <a:solidFill>
                   <a:srgbClr val="FFFFFF"/>
                 </a:solidFill>
@@ -52525,7 +52385,7 @@
               </a:spcAft>
             </a:pPr>
             <a:r>
-              <a:rPr sz="1300" b="1">
+              <a:rPr sz="1350" b="1">
                 <a:solidFill>
                   <a:srgbClr val="FFFFFF"/>
                 </a:solidFill>
@@ -52608,7 +52468,7 @@
               </a:spcAft>
             </a:pPr>
             <a:r>
-              <a:rPr sz="900" b="1">
+              <a:rPr sz="975" b="1">
                 <a:solidFill>
                   <a:srgbClr val="006272"/>
                 </a:solidFill>
@@ -52816,7 +52676,7 @@
               </a:spcAft>
             </a:pPr>
             <a:r>
-              <a:rPr sz="900" b="1">
+              <a:rPr sz="975" b="1">
                 <a:solidFill>
                   <a:srgbClr val="006272"/>
                 </a:solidFill>
@@ -53264,7 +53124,7 @@
               </a:spcAft>
             </a:pPr>
             <a:r>
-              <a:rPr sz="900" b="1">
+              <a:rPr sz="975" b="1">
                 <a:solidFill>
                   <a:srgbClr val="006272"/>
                 </a:solidFill>
@@ -53632,7 +53492,7 @@
               </a:spcAft>
             </a:pPr>
             <a:r>
-              <a:rPr sz="900" b="1">
+              <a:rPr sz="975" b="1">
                 <a:solidFill>
                   <a:srgbClr val="006272"/>
                 </a:solidFill>
@@ -54000,7 +53860,7 @@
               </a:spcAft>
             </a:pPr>
             <a:r>
-              <a:rPr sz="900" b="1">
+              <a:rPr sz="975" b="1">
                 <a:solidFill>
                   <a:srgbClr val="006272"/>
                 </a:solidFill>
@@ -54328,7 +54188,7 @@
               </a:spcAft>
             </a:pPr>
             <a:r>
-              <a:rPr sz="900" b="1">
+              <a:rPr sz="975" b="1">
                 <a:solidFill>
                   <a:srgbClr val="006272"/>
                 </a:solidFill>
@@ -54732,7 +54592,7 @@
               </a:spcAft>
             </a:pPr>
             <a:r>
-              <a:rPr sz="900" b="1">
+              <a:rPr sz="975" b="1">
                 <a:solidFill>
                   <a:srgbClr val="006272"/>
                 </a:solidFill>
@@ -54980,7 +54840,7 @@
               </a:spcAft>
             </a:pPr>
             <a:r>
-              <a:rPr sz="900" b="1">
+              <a:rPr sz="975" b="1">
                 <a:solidFill>
                   <a:srgbClr val="006272"/>
                 </a:solidFill>
@@ -55449,7 +55309,7 @@
               </a:spcAft>
             </a:pPr>
             <a:r>
-              <a:rPr sz="1000" b="1">
+              <a:rPr sz="1050" b="1">
                 <a:solidFill>
                   <a:srgbClr val="FFFFFF"/>
                 </a:solidFill>
@@ -55572,7 +55432,7 @@
               </a:spcAft>
             </a:pPr>
             <a:r>
-              <a:rPr sz="1000" b="0">
+              <a:rPr sz="1050" b="0">
                 <a:solidFill>
                   <a:srgbClr val="FFFFFF"/>
                 </a:solidFill>
@@ -55612,7 +55472,7 @@
               </a:spcAft>
             </a:pPr>
             <a:r>
-              <a:rPr sz="1300" b="1">
+              <a:rPr sz="1350" b="1">
                 <a:solidFill>
                   <a:srgbClr val="FFFFFF"/>
                 </a:solidFill>
@@ -55695,7 +55555,7 @@
               </a:spcAft>
             </a:pPr>
             <a:r>
-              <a:rPr sz="900" b="1">
+              <a:rPr sz="975" b="1">
                 <a:solidFill>
                   <a:srgbClr val="006272"/>
                 </a:solidFill>
@@ -56576,7 +56436,7 @@
               </a:spcAft>
             </a:pPr>
             <a:r>
-              <a:rPr sz="900" b="1">
+              <a:rPr sz="975" b="1">
                 <a:solidFill>
                   <a:srgbClr val="006272"/>
                 </a:solidFill>
